--- a/make_presentation/templates/templates/style/1.pptx
+++ b/make_presentation/templates/templates/style/1.pptx
@@ -63,7 +63,7 @@
         <p:txBody>
           <a:bodyPr/>
           <a:p>
-            <a:fld id="{D916A013-4C80-4E1C-8184-08813941203A}" type="slidenum">
+            <a:fld id="{272BF6F2-42B6-46BD-A43F-92447510BEA1}" type="slidenum">
               <a:t>&lt;#&gt;</a:t>
             </a:fld>
           </a:p>
@@ -114,7 +114,7 @@
       </p:grpSpPr>
       <p:sp>
         <p:nvSpPr>
-          <p:cNvPr id="26" name="PlaceHolder 1"/>
+          <p:cNvPr id="24" name="PlaceHolder 1"/>
           <p:cNvSpPr>
             <a:spLocks noGrp="1"/>
           </p:cNvSpPr>
@@ -151,7 +151,7 @@
       </p:sp>
       <p:sp>
         <p:nvSpPr>
-          <p:cNvPr id="27" name="PlaceHolder 2"/>
+          <p:cNvPr id="25" name="PlaceHolder 2"/>
           <p:cNvSpPr>
             <a:spLocks noGrp="1"/>
           </p:cNvSpPr>
@@ -185,7 +185,7 @@
       </p:sp>
       <p:sp>
         <p:nvSpPr>
-          <p:cNvPr id="28" name="PlaceHolder 3"/>
+          <p:cNvPr id="26" name="PlaceHolder 3"/>
           <p:cNvSpPr>
             <a:spLocks noGrp="1"/>
           </p:cNvSpPr>
@@ -251,7 +251,7 @@
         <p:txBody>
           <a:bodyPr/>
           <a:p>
-            <a:fld id="{80CC5E09-515F-4785-9E30-FECD8F49692D}" type="slidenum">
+            <a:fld id="{4A507E18-DB1A-48BC-940F-F07880BCB45E}" type="slidenum">
               <a:t>&lt;#&gt;</a:t>
             </a:fld>
           </a:p>
@@ -302,7 +302,7 @@
       </p:grpSpPr>
       <p:sp>
         <p:nvSpPr>
-          <p:cNvPr id="29" name="PlaceHolder 1"/>
+          <p:cNvPr id="27" name="PlaceHolder 1"/>
           <p:cNvSpPr>
             <a:spLocks noGrp="1"/>
           </p:cNvSpPr>
@@ -339,7 +339,7 @@
       </p:sp>
       <p:sp>
         <p:nvSpPr>
-          <p:cNvPr id="30" name="PlaceHolder 2"/>
+          <p:cNvPr id="28" name="PlaceHolder 2"/>
           <p:cNvSpPr>
             <a:spLocks noGrp="1"/>
           </p:cNvSpPr>
@@ -373,7 +373,7 @@
       </p:sp>
       <p:sp>
         <p:nvSpPr>
-          <p:cNvPr id="31" name="PlaceHolder 3"/>
+          <p:cNvPr id="29" name="PlaceHolder 3"/>
           <p:cNvSpPr>
             <a:spLocks noGrp="1"/>
           </p:cNvSpPr>
@@ -407,7 +407,7 @@
       </p:sp>
       <p:sp>
         <p:nvSpPr>
-          <p:cNvPr id="32" name="PlaceHolder 4"/>
+          <p:cNvPr id="30" name="PlaceHolder 4"/>
           <p:cNvSpPr>
             <a:spLocks noGrp="1"/>
           </p:cNvSpPr>
@@ -441,7 +441,7 @@
       </p:sp>
       <p:sp>
         <p:nvSpPr>
-          <p:cNvPr id="33" name="PlaceHolder 5"/>
+          <p:cNvPr id="31" name="PlaceHolder 5"/>
           <p:cNvSpPr>
             <a:spLocks noGrp="1"/>
           </p:cNvSpPr>
@@ -507,7 +507,7 @@
         <p:txBody>
           <a:bodyPr/>
           <a:p>
-            <a:fld id="{7D082446-659F-4D68-B0CF-61000AD97BAC}" type="slidenum">
+            <a:fld id="{559B760C-5FA7-4759-A3C8-F8BEBAB4CA2A}" type="slidenum">
               <a:t>&lt;#&gt;</a:t>
             </a:fld>
           </a:p>
@@ -558,7 +558,7 @@
       </p:grpSpPr>
       <p:sp>
         <p:nvSpPr>
-          <p:cNvPr id="34" name="PlaceHolder 1"/>
+          <p:cNvPr id="32" name="PlaceHolder 1"/>
           <p:cNvSpPr>
             <a:spLocks noGrp="1"/>
           </p:cNvSpPr>
@@ -595,7 +595,7 @@
       </p:sp>
       <p:sp>
         <p:nvSpPr>
-          <p:cNvPr id="35" name="PlaceHolder 2"/>
+          <p:cNvPr id="33" name="PlaceHolder 2"/>
           <p:cNvSpPr>
             <a:spLocks noGrp="1"/>
           </p:cNvSpPr>
@@ -629,7 +629,7 @@
       </p:sp>
       <p:sp>
         <p:nvSpPr>
-          <p:cNvPr id="36" name="PlaceHolder 3"/>
+          <p:cNvPr id="34" name="PlaceHolder 3"/>
           <p:cNvSpPr>
             <a:spLocks noGrp="1"/>
           </p:cNvSpPr>
@@ -663,7 +663,7 @@
       </p:sp>
       <p:sp>
         <p:nvSpPr>
-          <p:cNvPr id="37" name="PlaceHolder 4"/>
+          <p:cNvPr id="35" name="PlaceHolder 4"/>
           <p:cNvSpPr>
             <a:spLocks noGrp="1"/>
           </p:cNvSpPr>
@@ -697,7 +697,7 @@
       </p:sp>
       <p:sp>
         <p:nvSpPr>
-          <p:cNvPr id="38" name="PlaceHolder 5"/>
+          <p:cNvPr id="36" name="PlaceHolder 5"/>
           <p:cNvSpPr>
             <a:spLocks noGrp="1"/>
           </p:cNvSpPr>
@@ -731,7 +731,7 @@
       </p:sp>
       <p:sp>
         <p:nvSpPr>
-          <p:cNvPr id="39" name="PlaceHolder 6"/>
+          <p:cNvPr id="37" name="PlaceHolder 6"/>
           <p:cNvSpPr>
             <a:spLocks noGrp="1"/>
           </p:cNvSpPr>
@@ -765,7 +765,7 @@
       </p:sp>
       <p:sp>
         <p:nvSpPr>
-          <p:cNvPr id="40" name="PlaceHolder 7"/>
+          <p:cNvPr id="38" name="PlaceHolder 7"/>
           <p:cNvSpPr>
             <a:spLocks noGrp="1"/>
           </p:cNvSpPr>
@@ -831,7 +831,7 @@
         <p:txBody>
           <a:bodyPr/>
           <a:p>
-            <a:fld id="{57D5997E-9C2B-4FE3-BEBB-39B91D4F44F8}" type="slidenum">
+            <a:fld id="{444FAA4B-AE7E-4C4A-B652-62BF6FD1C40A}" type="slidenum">
               <a:t>&lt;#&gt;</a:t>
             </a:fld>
           </a:p>
@@ -882,7 +882,7 @@
       </p:grpSpPr>
       <p:sp>
         <p:nvSpPr>
-          <p:cNvPr id="5" name="PlaceHolder 1"/>
+          <p:cNvPr id="3" name="PlaceHolder 1"/>
           <p:cNvSpPr>
             <a:spLocks noGrp="1"/>
           </p:cNvSpPr>
@@ -919,7 +919,7 @@
       </p:sp>
       <p:sp>
         <p:nvSpPr>
-          <p:cNvPr id="6" name="PlaceHolder 2"/>
+          <p:cNvPr id="4" name="PlaceHolder 2"/>
           <p:cNvSpPr>
             <a:spLocks noGrp="1"/>
           </p:cNvSpPr>
@@ -988,7 +988,7 @@
         <p:txBody>
           <a:bodyPr/>
           <a:p>
-            <a:fld id="{82295BAB-977C-45C8-BFE3-236C9EBD71ED}" type="slidenum">
+            <a:fld id="{728AAA39-4150-4591-82F3-AE5EB9BC1B83}" type="slidenum">
               <a:t>&lt;#&gt;</a:t>
             </a:fld>
           </a:p>
@@ -1039,7 +1039,7 @@
       </p:grpSpPr>
       <p:sp>
         <p:nvSpPr>
-          <p:cNvPr id="7" name="PlaceHolder 1"/>
+          <p:cNvPr id="5" name="PlaceHolder 1"/>
           <p:cNvSpPr>
             <a:spLocks noGrp="1"/>
           </p:cNvSpPr>
@@ -1076,7 +1076,7 @@
       </p:sp>
       <p:sp>
         <p:nvSpPr>
-          <p:cNvPr id="8" name="PlaceHolder 2"/>
+          <p:cNvPr id="6" name="PlaceHolder 2"/>
           <p:cNvSpPr>
             <a:spLocks noGrp="1"/>
           </p:cNvSpPr>
@@ -1142,7 +1142,7 @@
         <p:txBody>
           <a:bodyPr/>
           <a:p>
-            <a:fld id="{3BE74176-5BBA-4D76-BE36-CE59AE235848}" type="slidenum">
+            <a:fld id="{26F93267-2F2C-43BB-A1D7-8A7FEFC83823}" type="slidenum">
               <a:t>&lt;#&gt;</a:t>
             </a:fld>
           </a:p>
@@ -1193,7 +1193,7 @@
       </p:grpSpPr>
       <p:sp>
         <p:nvSpPr>
-          <p:cNvPr id="9" name="PlaceHolder 1"/>
+          <p:cNvPr id="7" name="PlaceHolder 1"/>
           <p:cNvSpPr>
             <a:spLocks noGrp="1"/>
           </p:cNvSpPr>
@@ -1230,7 +1230,7 @@
       </p:sp>
       <p:sp>
         <p:nvSpPr>
-          <p:cNvPr id="10" name="PlaceHolder 2"/>
+          <p:cNvPr id="8" name="PlaceHolder 2"/>
           <p:cNvSpPr>
             <a:spLocks noGrp="1"/>
           </p:cNvSpPr>
@@ -1264,7 +1264,7 @@
       </p:sp>
       <p:sp>
         <p:nvSpPr>
-          <p:cNvPr id="11" name="PlaceHolder 3"/>
+          <p:cNvPr id="9" name="PlaceHolder 3"/>
           <p:cNvSpPr>
             <a:spLocks noGrp="1"/>
           </p:cNvSpPr>
@@ -1330,7 +1330,7 @@
         <p:txBody>
           <a:bodyPr/>
           <a:p>
-            <a:fld id="{D3DF154B-8BFE-4B11-8B54-992DBDCD78A8}" type="slidenum">
+            <a:fld id="{6C4A2B1B-0772-496E-A2F7-1EE1C518CE0F}" type="slidenum">
               <a:t>&lt;#&gt;</a:t>
             </a:fld>
           </a:p>
@@ -1381,7 +1381,7 @@
       </p:grpSpPr>
       <p:sp>
         <p:nvSpPr>
-          <p:cNvPr id="12" name="PlaceHolder 1"/>
+          <p:cNvPr id="10" name="PlaceHolder 1"/>
           <p:cNvSpPr>
             <a:spLocks noGrp="1"/>
           </p:cNvSpPr>
@@ -1450,7 +1450,7 @@
         <p:txBody>
           <a:bodyPr/>
           <a:p>
-            <a:fld id="{93170CC7-12BB-4DD1-AE06-BC71B4C33144}" type="slidenum">
+            <a:fld id="{8F93DAFA-C897-456E-B2B4-12386EE9D685}" type="slidenum">
               <a:t>&lt;#&gt;</a:t>
             </a:fld>
           </a:p>
@@ -1501,7 +1501,7 @@
       </p:grpSpPr>
       <p:sp>
         <p:nvSpPr>
-          <p:cNvPr id="13" name="PlaceHolder 1"/>
+          <p:cNvPr id="11" name="PlaceHolder 1"/>
           <p:cNvSpPr>
             <a:spLocks noGrp="1"/>
           </p:cNvSpPr>
@@ -1570,7 +1570,7 @@
         <p:txBody>
           <a:bodyPr/>
           <a:p>
-            <a:fld id="{0BC4EE64-BE44-425E-B401-DEE63F7BAAC7}" type="slidenum">
+            <a:fld id="{A1561A09-8947-4646-8078-E1909324BA01}" type="slidenum">
               <a:t>&lt;#&gt;</a:t>
             </a:fld>
           </a:p>
@@ -1621,7 +1621,7 @@
       </p:grpSpPr>
       <p:sp>
         <p:nvSpPr>
-          <p:cNvPr id="14" name="PlaceHolder 1"/>
+          <p:cNvPr id="12" name="PlaceHolder 1"/>
           <p:cNvSpPr>
             <a:spLocks noGrp="1"/>
           </p:cNvSpPr>
@@ -1658,7 +1658,7 @@
       </p:sp>
       <p:sp>
         <p:nvSpPr>
-          <p:cNvPr id="15" name="PlaceHolder 2"/>
+          <p:cNvPr id="13" name="PlaceHolder 2"/>
           <p:cNvSpPr>
             <a:spLocks noGrp="1"/>
           </p:cNvSpPr>
@@ -1692,7 +1692,7 @@
       </p:sp>
       <p:sp>
         <p:nvSpPr>
-          <p:cNvPr id="16" name="PlaceHolder 3"/>
+          <p:cNvPr id="14" name="PlaceHolder 3"/>
           <p:cNvSpPr>
             <a:spLocks noGrp="1"/>
           </p:cNvSpPr>
@@ -1726,7 +1726,7 @@
       </p:sp>
       <p:sp>
         <p:nvSpPr>
-          <p:cNvPr id="17" name="PlaceHolder 4"/>
+          <p:cNvPr id="15" name="PlaceHolder 4"/>
           <p:cNvSpPr>
             <a:spLocks noGrp="1"/>
           </p:cNvSpPr>
@@ -1792,7 +1792,7 @@
         <p:txBody>
           <a:bodyPr/>
           <a:p>
-            <a:fld id="{A8B29765-9EF9-4CDE-94EC-9E0721173AF1}" type="slidenum">
+            <a:fld id="{E78C6918-57DB-4EB5-8BEC-581540D64214}" type="slidenum">
               <a:t>&lt;#&gt;</a:t>
             </a:fld>
           </a:p>
@@ -1843,7 +1843,7 @@
       </p:grpSpPr>
       <p:sp>
         <p:nvSpPr>
-          <p:cNvPr id="18" name="PlaceHolder 1"/>
+          <p:cNvPr id="16" name="PlaceHolder 1"/>
           <p:cNvSpPr>
             <a:spLocks noGrp="1"/>
           </p:cNvSpPr>
@@ -1880,7 +1880,7 @@
       </p:sp>
       <p:sp>
         <p:nvSpPr>
-          <p:cNvPr id="19" name="PlaceHolder 2"/>
+          <p:cNvPr id="17" name="PlaceHolder 2"/>
           <p:cNvSpPr>
             <a:spLocks noGrp="1"/>
           </p:cNvSpPr>
@@ -1914,7 +1914,7 @@
       </p:sp>
       <p:sp>
         <p:nvSpPr>
-          <p:cNvPr id="20" name="PlaceHolder 3"/>
+          <p:cNvPr id="18" name="PlaceHolder 3"/>
           <p:cNvSpPr>
             <a:spLocks noGrp="1"/>
           </p:cNvSpPr>
@@ -1948,7 +1948,7 @@
       </p:sp>
       <p:sp>
         <p:nvSpPr>
-          <p:cNvPr id="21" name="PlaceHolder 4"/>
+          <p:cNvPr id="19" name="PlaceHolder 4"/>
           <p:cNvSpPr>
             <a:spLocks noGrp="1"/>
           </p:cNvSpPr>
@@ -2014,7 +2014,7 @@
         <p:txBody>
           <a:bodyPr/>
           <a:p>
-            <a:fld id="{86B5690A-BE94-46B3-8C9F-15ACA1D7479F}" type="slidenum">
+            <a:fld id="{B4A08642-6B57-4F0A-9E63-45AC1C3544C8}" type="slidenum">
               <a:t>&lt;#&gt;</a:t>
             </a:fld>
           </a:p>
@@ -2065,7 +2065,7 @@
       </p:grpSpPr>
       <p:sp>
         <p:nvSpPr>
-          <p:cNvPr id="22" name="PlaceHolder 1"/>
+          <p:cNvPr id="20" name="PlaceHolder 1"/>
           <p:cNvSpPr>
             <a:spLocks noGrp="1"/>
           </p:cNvSpPr>
@@ -2102,7 +2102,7 @@
       </p:sp>
       <p:sp>
         <p:nvSpPr>
-          <p:cNvPr id="23" name="PlaceHolder 2"/>
+          <p:cNvPr id="21" name="PlaceHolder 2"/>
           <p:cNvSpPr>
             <a:spLocks noGrp="1"/>
           </p:cNvSpPr>
@@ -2136,7 +2136,7 @@
       </p:sp>
       <p:sp>
         <p:nvSpPr>
-          <p:cNvPr id="24" name="PlaceHolder 3"/>
+          <p:cNvPr id="22" name="PlaceHolder 3"/>
           <p:cNvSpPr>
             <a:spLocks noGrp="1"/>
           </p:cNvSpPr>
@@ -2170,7 +2170,7 @@
       </p:sp>
       <p:sp>
         <p:nvSpPr>
-          <p:cNvPr id="25" name="PlaceHolder 4"/>
+          <p:cNvPr id="23" name="PlaceHolder 4"/>
           <p:cNvSpPr>
             <a:spLocks noGrp="1"/>
           </p:cNvSpPr>
@@ -2236,7 +2236,7 @@
         <p:txBody>
           <a:bodyPr/>
           <a:p>
-            <a:fld id="{69A122FF-AF1D-4883-97A8-E6C731616066}" type="slidenum">
+            <a:fld id="{33496D96-09CC-4B7C-AA6E-79CE878A2B99}" type="slidenum">
               <a:t>&lt;#&gt;</a:t>
             </a:fld>
           </a:p>
@@ -2306,7 +2306,7 @@
         <p:spPr>
           <a:xfrm>
             <a:off x="3029040" y="4767120"/>
-            <a:ext cx="3081960" cy="269640"/>
+            <a:ext cx="3083760" cy="271440"/>
           </a:xfrm>
           <a:prstGeom prst="rect">
             <a:avLst/>
@@ -2342,7 +2342,7 @@
               <a:rPr b="0" lang="en-US" sz="1400" spc="-1" strike="noStrike">
                 <a:latin typeface="Times New Roman"/>
               </a:rPr>
-              <a:t> </a:t>
+              <a:t>&lt;footer&gt;</a:t>
             </a:r>
             <a:endParaRPr b="0" lang="en-US" sz="1400" spc="-1" strike="noStrike">
               <a:latin typeface="Times New Roman"/>
@@ -2363,7 +2363,7 @@
         <p:spPr>
           <a:xfrm>
             <a:off x="6458040" y="4767120"/>
-            <a:ext cx="2053080" cy="269640"/>
+            <a:ext cx="2054880" cy="271440"/>
           </a:xfrm>
           <a:prstGeom prst="rect">
             <a:avLst/>
@@ -2398,7 +2398,7 @@
               </a:lnSpc>
               <a:buNone/>
             </a:pPr>
-            <a:fld id="{CC5F6CE3-1726-4910-B953-F2C2A47C46D4}" type="slidenum">
+            <a:fld id="{B484EC1F-6371-4435-8368-08FEA29DF1BF}" type="slidenum">
               <a:rPr b="0" lang="en-US" sz="900" spc="-1" strike="noStrike">
                 <a:solidFill>
                   <a:srgbClr val="8b8b8b"/>
@@ -2426,7 +2426,7 @@
         <p:spPr>
           <a:xfrm>
             <a:off x="628560" y="4767120"/>
-            <a:ext cx="2053080" cy="269640"/>
+            <a:ext cx="2054880" cy="271440"/>
           </a:xfrm>
           <a:prstGeom prst="rect">
             <a:avLst/>
@@ -2456,232 +2456,6 @@
             </a:r>
             <a:endParaRPr b="0" lang="en-US" sz="1400" spc="-1" strike="noStrike">
               <a:latin typeface="Times New Roman"/>
-            </a:endParaRPr>
-          </a:p>
-        </p:txBody>
-      </p:sp>
-      <p:sp>
-        <p:nvSpPr>
-          <p:cNvPr id="3" name="PlaceHolder 4"/>
-          <p:cNvSpPr>
-            <a:spLocks noGrp="1"/>
-          </p:cNvSpPr>
-          <p:nvPr>
-            <p:ph type="title"/>
-          </p:nvPr>
-        </p:nvSpPr>
-        <p:spPr>
-          <a:xfrm>
-            <a:off x="457200" y="205200"/>
-            <a:ext cx="8229240" cy="858600"/>
-          </a:xfrm>
-          <a:prstGeom prst="rect">
-            <a:avLst/>
-          </a:prstGeom>
-          <a:noFill/>
-          <a:ln w="0">
-            <a:noFill/>
-          </a:ln>
-        </p:spPr>
-        <p:txBody>
-          <a:bodyPr lIns="0" rIns="0" tIns="0" bIns="0" anchor="ctr">
-            <a:noAutofit/>
-          </a:bodyPr>
-          <a:p>
-            <a:pPr algn="ctr">
-              <a:buNone/>
-            </a:pPr>
-            <a:r>
-              <a:rPr b="0" lang="en-US" sz="4400" spc="-1" strike="noStrike">
-                <a:latin typeface="Arial"/>
-              </a:rPr>
-              <a:t>Click to edit the title text format</a:t>
-            </a:r>
-            <a:endParaRPr b="0" lang="en-US" sz="4400" spc="-1" strike="noStrike">
-              <a:latin typeface="Arial"/>
-            </a:endParaRPr>
-          </a:p>
-        </p:txBody>
-      </p:sp>
-      <p:sp>
-        <p:nvSpPr>
-          <p:cNvPr id="4" name="PlaceHolder 5"/>
-          <p:cNvSpPr>
-            <a:spLocks noGrp="1"/>
-          </p:cNvSpPr>
-          <p:nvPr>
-            <p:ph type="body"/>
-          </p:nvPr>
-        </p:nvSpPr>
-        <p:spPr>
-          <a:xfrm>
-            <a:off x="457200" y="1203480"/>
-            <a:ext cx="8229240" cy="2982960"/>
-          </a:xfrm>
-          <a:prstGeom prst="rect">
-            <a:avLst/>
-          </a:prstGeom>
-          <a:noFill/>
-          <a:ln w="0">
-            <a:noFill/>
-          </a:ln>
-        </p:spPr>
-        <p:txBody>
-          <a:bodyPr lIns="0" rIns="0" tIns="0" bIns="0" anchor="t">
-            <a:normAutofit/>
-          </a:bodyPr>
-          <a:p>
-            <a:pPr marL="432000" indent="-324000">
-              <a:spcBef>
-                <a:spcPts val="1417"/>
-              </a:spcBef>
-              <a:buClr>
-                <a:srgbClr val="ffffff"/>
-              </a:buClr>
-              <a:buSzPct val="45000"/>
-              <a:buFont typeface="Wingdings" charset="2"/>
-              <a:buChar char=""/>
-            </a:pPr>
-            <a:r>
-              <a:rPr b="0" lang="en-US" sz="3200" spc="-1" strike="noStrike">
-                <a:latin typeface="Arial"/>
-              </a:rPr>
-              <a:t>Click to edit the outline text format</a:t>
-            </a:r>
-            <a:endParaRPr b="0" lang="en-US" sz="3200" spc="-1" strike="noStrike">
-              <a:latin typeface="Arial"/>
-            </a:endParaRPr>
-          </a:p>
-          <a:p>
-            <a:pPr lvl="1" marL="864000" indent="-324000">
-              <a:spcBef>
-                <a:spcPts val="1134"/>
-              </a:spcBef>
-              <a:buClr>
-                <a:srgbClr val="ffffff"/>
-              </a:buClr>
-              <a:buSzPct val="75000"/>
-              <a:buFont typeface="Symbol" charset="2"/>
-              <a:buChar char=""/>
-            </a:pPr>
-            <a:r>
-              <a:rPr b="0" lang="en-US" sz="2800" spc="-1" strike="noStrike">
-                <a:latin typeface="Arial"/>
-              </a:rPr>
-              <a:t>Second Outline Level</a:t>
-            </a:r>
-            <a:endParaRPr b="0" lang="en-US" sz="2800" spc="-1" strike="noStrike">
-              <a:latin typeface="Arial"/>
-            </a:endParaRPr>
-          </a:p>
-          <a:p>
-            <a:pPr lvl="2" marL="1296000" indent="-288000">
-              <a:spcBef>
-                <a:spcPts val="850"/>
-              </a:spcBef>
-              <a:buClr>
-                <a:srgbClr val="ffffff"/>
-              </a:buClr>
-              <a:buSzPct val="45000"/>
-              <a:buFont typeface="Wingdings" charset="2"/>
-              <a:buChar char=""/>
-            </a:pPr>
-            <a:r>
-              <a:rPr b="0" lang="en-US" sz="2400" spc="-1" strike="noStrike">
-                <a:latin typeface="Arial"/>
-              </a:rPr>
-              <a:t>Third Outline Level</a:t>
-            </a:r>
-            <a:endParaRPr b="0" lang="en-US" sz="2400" spc="-1" strike="noStrike">
-              <a:latin typeface="Arial"/>
-            </a:endParaRPr>
-          </a:p>
-          <a:p>
-            <a:pPr lvl="3" marL="1728000" indent="-216000">
-              <a:spcBef>
-                <a:spcPts val="567"/>
-              </a:spcBef>
-              <a:buClr>
-                <a:srgbClr val="ffffff"/>
-              </a:buClr>
-              <a:buSzPct val="75000"/>
-              <a:buFont typeface="Symbol" charset="2"/>
-              <a:buChar char=""/>
-            </a:pPr>
-            <a:r>
-              <a:rPr b="0" lang="en-US" sz="2000" spc="-1" strike="noStrike">
-                <a:latin typeface="Arial"/>
-              </a:rPr>
-              <a:t>Fourth Outline Level</a:t>
-            </a:r>
-            <a:endParaRPr b="0" lang="en-US" sz="2000" spc="-1" strike="noStrike">
-              <a:latin typeface="Arial"/>
-            </a:endParaRPr>
-          </a:p>
-          <a:p>
-            <a:pPr lvl="4" marL="2160000" indent="-216000">
-              <a:spcBef>
-                <a:spcPts val="283"/>
-              </a:spcBef>
-              <a:buClr>
-                <a:srgbClr val="ffffff"/>
-              </a:buClr>
-              <a:buSzPct val="45000"/>
-              <a:buFont typeface="Wingdings" charset="2"/>
-              <a:buChar char=""/>
-            </a:pPr>
-            <a:r>
-              <a:rPr b="0" lang="en-US" sz="2000" spc="-1" strike="noStrike">
-                <a:latin typeface="Arial"/>
-              </a:rPr>
-              <a:t>Fifth Outline Level</a:t>
-            </a:r>
-            <a:endParaRPr b="0" lang="en-US" sz="2000" spc="-1" strike="noStrike">
-              <a:latin typeface="Arial"/>
-            </a:endParaRPr>
-          </a:p>
-          <a:p>
-            <a:pPr lvl="5" marL="2592000" indent="-216000">
-              <a:spcBef>
-                <a:spcPts val="283"/>
-              </a:spcBef>
-              <a:buClr>
-                <a:srgbClr val="ffffff"/>
-              </a:buClr>
-              <a:buSzPct val="45000"/>
-              <a:buFont typeface="Wingdings" charset="2"/>
-              <a:buChar char=""/>
-            </a:pPr>
-            <a:r>
-              <a:rPr b="0" lang="en-US" sz="2000" spc="-1" strike="noStrike">
-                <a:latin typeface="Arial"/>
-              </a:rPr>
-              <a:t>Sixth Outline Level</a:t>
-            </a:r>
-            <a:endParaRPr b="0" lang="en-US" sz="2000" spc="-1" strike="noStrike">
-              <a:latin typeface="Arial"/>
-            </a:endParaRPr>
-          </a:p>
-          <a:p>
-            <a:pPr lvl="6" marL="3024000" indent="-216000">
-              <a:spcBef>
-                <a:spcPts val="283"/>
-              </a:spcBef>
-              <a:buClr>
-                <a:srgbClr val="ffffff"/>
-              </a:buClr>
-              <a:buSzPct val="45000"/>
-              <a:buFont typeface="Wingdings" charset="2"/>
-              <a:buChar char=""/>
-            </a:pPr>
-            <a:r>
-              <a:rPr b="0" lang="en-US" sz="2000" spc="-1" strike="noStrike">
-                <a:latin typeface="Arial"/>
-              </a:rPr>
-              <a:t>Seventh Outline Level</a:t>
-            </a:r>
-            <a:endParaRPr b="0" lang="en-US" sz="2000" spc="-1" strike="noStrike">
-              <a:latin typeface="Arial"/>
             </a:endParaRPr>
           </a:p>
         </p:txBody>
@@ -2725,7 +2499,7 @@
       </p:grpSpPr>
       <p:pic>
         <p:nvPicPr>
-          <p:cNvPr id="41" name="Рисунок 6" descr=""/>
+          <p:cNvPr id="39" name="Рисунок 6" descr=""/>
           <p:cNvPicPr/>
           <p:nvPr/>
         </p:nvPicPr>
@@ -2736,8 +2510,8 @@
         </p:blipFill>
         <p:spPr>
           <a:xfrm rot="4319400">
-            <a:off x="6777360" y="2538000"/>
-            <a:ext cx="2389320" cy="3594240"/>
+            <a:off x="6776640" y="2539440"/>
+            <a:ext cx="2391120" cy="3596040"/>
           </a:xfrm>
           <a:prstGeom prst="rect">
             <a:avLst/>
@@ -2749,14 +2523,14 @@
       </p:pic>
       <p:sp>
         <p:nvSpPr>
-          <p:cNvPr id="42" name="TextBox 10"/>
+          <p:cNvPr id="40" name="TextBox 10"/>
           <p:cNvSpPr/>
           <p:nvPr/>
         </p:nvSpPr>
         <p:spPr>
           <a:xfrm>
             <a:off x="497880" y="1319760"/>
-            <a:ext cx="7903440" cy="2390760"/>
+            <a:ext cx="7905240" cy="2392560"/>
           </a:xfrm>
           <a:prstGeom prst="rect">
             <a:avLst/>
@@ -2801,14 +2575,14 @@
       </p:sp>
       <p:sp>
         <p:nvSpPr>
-          <p:cNvPr id="43" name=""/>
+          <p:cNvPr id="41" name=""/>
           <p:cNvSpPr/>
           <p:nvPr/>
         </p:nvSpPr>
         <p:spPr>
           <a:xfrm>
             <a:off x="466200" y="493920"/>
-            <a:ext cx="7934760" cy="775080"/>
+            <a:ext cx="7944480" cy="775440"/>
           </a:xfrm>
           <a:prstGeom prst="rect">
             <a:avLst/>
@@ -2836,7 +2610,7 @@
               <a:buNone/>
             </a:pPr>
             <a:r>
-              <a:rPr b="1" lang="en-US" sz="2400" spc="-1" strike="noStrike">
+              <a:rPr b="0" lang="en-US" sz="2400" spc="-1" strike="noStrike">
                 <a:solidFill>
                   <a:srgbClr val="ffffff"/>
                 </a:solidFill>
@@ -2846,6 +2620,9 @@
               <a:t>TITLE</a:t>
             </a:r>
             <a:endParaRPr b="0" lang="en-US" sz="2400" spc="-1" strike="noStrike">
+              <a:solidFill>
+                <a:srgbClr val="ffffff"/>
+              </a:solidFill>
               <a:latin typeface="Arial"/>
             </a:endParaRPr>
           </a:p>
